--- a/0302/0302windows sysinternals 技術報告.pptx
+++ b/0302/0302windows sysinternals 技術報告.pptx
@@ -11,9 +11,13 @@
     <p:sldId id="258" r:id="rId5"/>
     <p:sldId id="260" r:id="rId6"/>
     <p:sldId id="261" r:id="rId7"/>
-    <p:sldId id="264" r:id="rId8"/>
-    <p:sldId id="262" r:id="rId9"/>
-    <p:sldId id="263" r:id="rId10"/>
+    <p:sldId id="262" r:id="rId8"/>
+    <p:sldId id="263" r:id="rId9"/>
+    <p:sldId id="268" r:id="rId10"/>
+    <p:sldId id="269" r:id="rId11"/>
+    <p:sldId id="270" r:id="rId12"/>
+    <p:sldId id="264" r:id="rId13"/>
+    <p:sldId id="267" r:id="rId14"/>
   </p:sldIdLst>
   <p:sldSz cx="9144000" cy="6858000" type="screen4x3"/>
   <p:notesSz cx="6858000" cy="9144000"/>
@@ -3109,6 +3113,503 @@
 </p:sld>
 </file>
 
+<file path=ppt/slides/slide10.xml><?xml version="1.0" encoding="utf-8"?>
+<p:sld xmlns:a="http://schemas.openxmlformats.org/drawingml/2006/main" xmlns:r="http://schemas.openxmlformats.org/officeDocument/2006/relationships" xmlns:p="http://schemas.openxmlformats.org/presentationml/2006/main">
+  <p:cSld>
+    <p:spTree>
+      <p:nvGrpSpPr>
+        <p:cNvPr id="1" name=""/>
+        <p:cNvGrpSpPr/>
+        <p:nvPr/>
+      </p:nvGrpSpPr>
+      <p:grpSpPr>
+        <a:xfrm>
+          <a:off x="0" y="0"/>
+          <a:ext cx="0" cy="0"/>
+          <a:chOff x="0" y="0"/>
+          <a:chExt cx="0" cy="0"/>
+        </a:xfrm>
+      </p:grpSpPr>
+      <p:sp>
+        <p:nvSpPr>
+          <p:cNvPr id="2" name="標題 1"/>
+          <p:cNvSpPr>
+            <a:spLocks noGrp="1"/>
+          </p:cNvSpPr>
+          <p:nvPr>
+            <p:ph type="title"/>
+          </p:nvPr>
+        </p:nvSpPr>
+        <p:spPr/>
+        <p:txBody>
+          <a:bodyPr/>
+          <a:lstStyle/>
+          <a:p>
+            <a:r>
+              <a:rPr lang="zh-TW" altLang="en-US" dirty="0">
+                <a:latin typeface="微軟正黑體" pitchFamily="34" charset="-120"/>
+                <a:ea typeface="微軟正黑體" pitchFamily="34" charset="-120"/>
+              </a:rPr>
+              <a:t>迴路測試</a:t>
+            </a:r>
+          </a:p>
+        </p:txBody>
+      </p:sp>
+      <p:pic>
+        <p:nvPicPr>
+          <p:cNvPr id="3074" name="Picture 2"/>
+          <p:cNvPicPr>
+            <a:picLocks noChangeAspect="1" noChangeArrowheads="1"/>
+          </p:cNvPicPr>
+          <p:nvPr/>
+        </p:nvPicPr>
+        <p:blipFill>
+          <a:blip r:embed="rId2">
+            <a:extLst>
+              <a:ext uri="{28A0092B-C50C-407E-A947-70E740481C1C}">
+                <a14:useLocalDpi xmlns:a14="http://schemas.microsoft.com/office/drawing/2010/main" val="0"/>
+              </a:ext>
+            </a:extLst>
+          </a:blip>
+          <a:srcRect/>
+          <a:stretch>
+            <a:fillRect/>
+          </a:stretch>
+        </p:blipFill>
+        <p:spPr bwMode="auto">
+          <a:xfrm>
+            <a:off x="251520" y="2060848"/>
+            <a:ext cx="8694966" cy="3528392"/>
+          </a:xfrm>
+          <a:prstGeom prst="rect">
+            <a:avLst/>
+          </a:prstGeom>
+          <a:noFill/>
+          <a:ln>
+            <a:noFill/>
+          </a:ln>
+          <a:effectLst/>
+          <a:extLst>
+            <a:ext uri="{909E8E84-426E-40DD-AFC4-6F175D3DCCD1}">
+              <a14:hiddenFill xmlns:a14="http://schemas.microsoft.com/office/drawing/2010/main">
+                <a:solidFill>
+                  <a:schemeClr val="accent1"/>
+                </a:solidFill>
+              </a14:hiddenFill>
+            </a:ext>
+            <a:ext uri="{91240B29-F687-4F45-9708-019B960494DF}">
+              <a14:hiddenLine xmlns:a14="http://schemas.microsoft.com/office/drawing/2010/main" w="9525">
+                <a:solidFill>
+                  <a:schemeClr val="tx1"/>
+                </a:solidFill>
+                <a:miter lim="800000"/>
+                <a:headEnd/>
+                <a:tailEnd/>
+              </a14:hiddenLine>
+            </a:ext>
+            <a:ext uri="{AF507438-7753-43E0-B8FC-AC1667EBCBE1}">
+              <a14:hiddenEffects xmlns:a14="http://schemas.microsoft.com/office/drawing/2010/main">
+                <a:effectLst>
+                  <a:outerShdw dist="35921" dir="2700000" algn="ctr" rotWithShape="0">
+                    <a:schemeClr val="bg2"/>
+                  </a:outerShdw>
+                </a:effectLst>
+              </a14:hiddenEffects>
+            </a:ext>
+          </a:extLst>
+        </p:spPr>
+      </p:pic>
+    </p:spTree>
+    <p:extLst>
+      <p:ext uri="{BB962C8B-B14F-4D97-AF65-F5344CB8AC3E}">
+        <p14:creationId xmlns:p14="http://schemas.microsoft.com/office/powerpoint/2010/main" val="3478614961"/>
+      </p:ext>
+    </p:extLst>
+  </p:cSld>
+  <p:clrMapOvr>
+    <a:masterClrMapping/>
+  </p:clrMapOvr>
+</p:sld>
+</file>
+
+<file path=ppt/slides/slide11.xml><?xml version="1.0" encoding="utf-8"?>
+<p:sld xmlns:a="http://schemas.openxmlformats.org/drawingml/2006/main" xmlns:r="http://schemas.openxmlformats.org/officeDocument/2006/relationships" xmlns:p="http://schemas.openxmlformats.org/presentationml/2006/main">
+  <p:cSld>
+    <p:spTree>
+      <p:nvGrpSpPr>
+        <p:cNvPr id="1" name=""/>
+        <p:cNvGrpSpPr/>
+        <p:nvPr/>
+      </p:nvGrpSpPr>
+      <p:grpSpPr>
+        <a:xfrm>
+          <a:off x="0" y="0"/>
+          <a:ext cx="0" cy="0"/>
+          <a:chOff x="0" y="0"/>
+          <a:chExt cx="0" cy="0"/>
+        </a:xfrm>
+      </p:grpSpPr>
+      <p:sp>
+        <p:nvSpPr>
+          <p:cNvPr id="2" name="標題 1"/>
+          <p:cNvSpPr>
+            <a:spLocks noGrp="1"/>
+          </p:cNvSpPr>
+          <p:nvPr>
+            <p:ph type="title"/>
+          </p:nvPr>
+        </p:nvSpPr>
+        <p:spPr/>
+        <p:txBody>
+          <a:bodyPr/>
+          <a:lstStyle/>
+          <a:p>
+            <a:r>
+              <a:rPr lang="en-US" altLang="zh-TW" dirty="0" smtClean="0"/>
+              <a:t>proxy</a:t>
+            </a:r>
+            <a:endParaRPr lang="zh-TW" altLang="en-US" dirty="0"/>
+          </a:p>
+        </p:txBody>
+      </p:sp>
+      <p:pic>
+        <p:nvPicPr>
+          <p:cNvPr id="4098" name="Picture 2"/>
+          <p:cNvPicPr>
+            <a:picLocks noChangeAspect="1" noChangeArrowheads="1"/>
+          </p:cNvPicPr>
+          <p:nvPr/>
+        </p:nvPicPr>
+        <p:blipFill>
+          <a:blip r:embed="rId2">
+            <a:extLst>
+              <a:ext uri="{28A0092B-C50C-407E-A947-70E740481C1C}">
+                <a14:useLocalDpi xmlns:a14="http://schemas.microsoft.com/office/drawing/2010/main" val="0"/>
+              </a:ext>
+            </a:extLst>
+          </a:blip>
+          <a:srcRect/>
+          <a:stretch>
+            <a:fillRect/>
+          </a:stretch>
+        </p:blipFill>
+        <p:spPr bwMode="auto">
+          <a:xfrm>
+            <a:off x="2627784" y="1513880"/>
+            <a:ext cx="4057650" cy="4819650"/>
+          </a:xfrm>
+          <a:prstGeom prst="rect">
+            <a:avLst/>
+          </a:prstGeom>
+          <a:noFill/>
+          <a:ln>
+            <a:noFill/>
+          </a:ln>
+          <a:effectLst/>
+          <a:extLst>
+            <a:ext uri="{909E8E84-426E-40DD-AFC4-6F175D3DCCD1}">
+              <a14:hiddenFill xmlns:a14="http://schemas.microsoft.com/office/drawing/2010/main">
+                <a:solidFill>
+                  <a:schemeClr val="accent1"/>
+                </a:solidFill>
+              </a14:hiddenFill>
+            </a:ext>
+            <a:ext uri="{91240B29-F687-4F45-9708-019B960494DF}">
+              <a14:hiddenLine xmlns:a14="http://schemas.microsoft.com/office/drawing/2010/main" w="9525">
+                <a:solidFill>
+                  <a:schemeClr val="tx1"/>
+                </a:solidFill>
+                <a:miter lim="800000"/>
+                <a:headEnd/>
+                <a:tailEnd/>
+              </a14:hiddenLine>
+            </a:ext>
+            <a:ext uri="{AF507438-7753-43E0-B8FC-AC1667EBCBE1}">
+              <a14:hiddenEffects xmlns:a14="http://schemas.microsoft.com/office/drawing/2010/main">
+                <a:effectLst>
+                  <a:outerShdw dist="35921" dir="2700000" algn="ctr" rotWithShape="0">
+                    <a:schemeClr val="bg2"/>
+                  </a:outerShdw>
+                </a:effectLst>
+              </a14:hiddenEffects>
+            </a:ext>
+          </a:extLst>
+        </p:spPr>
+      </p:pic>
+    </p:spTree>
+    <p:extLst>
+      <p:ext uri="{BB962C8B-B14F-4D97-AF65-F5344CB8AC3E}">
+        <p14:creationId xmlns:p14="http://schemas.microsoft.com/office/powerpoint/2010/main" val="2088725855"/>
+      </p:ext>
+    </p:extLst>
+  </p:cSld>
+  <p:clrMapOvr>
+    <a:masterClrMapping/>
+  </p:clrMapOvr>
+</p:sld>
+</file>
+
+<file path=ppt/slides/slide12.xml><?xml version="1.0" encoding="utf-8"?>
+<p:sld xmlns:a="http://schemas.openxmlformats.org/drawingml/2006/main" xmlns:r="http://schemas.openxmlformats.org/officeDocument/2006/relationships" xmlns:p="http://schemas.openxmlformats.org/presentationml/2006/main">
+  <p:cSld>
+    <p:spTree>
+      <p:nvGrpSpPr>
+        <p:cNvPr id="1" name=""/>
+        <p:cNvGrpSpPr/>
+        <p:nvPr/>
+      </p:nvGrpSpPr>
+      <p:grpSpPr>
+        <a:xfrm>
+          <a:off x="0" y="0"/>
+          <a:ext cx="0" cy="0"/>
+          <a:chOff x="0" y="0"/>
+          <a:chExt cx="0" cy="0"/>
+        </a:xfrm>
+      </p:grpSpPr>
+      <p:sp>
+        <p:nvSpPr>
+          <p:cNvPr id="2" name="標題 1"/>
+          <p:cNvSpPr>
+            <a:spLocks noGrp="1"/>
+          </p:cNvSpPr>
+          <p:nvPr>
+            <p:ph type="title"/>
+          </p:nvPr>
+        </p:nvSpPr>
+        <p:spPr/>
+        <p:txBody>
+          <a:bodyPr/>
+          <a:lstStyle/>
+          <a:p>
+            <a:r>
+              <a:rPr lang="en-US" altLang="zh-TW" dirty="0" smtClean="0"/>
+              <a:t>Windows Server 2019</a:t>
+            </a:r>
+            <a:r>
+              <a:rPr lang="zh-TW" altLang="en-US" dirty="0" smtClean="0"/>
+              <a:t>執行畫面</a:t>
+            </a:r>
+            <a:endParaRPr lang="zh-TW" altLang="en-US" dirty="0"/>
+          </a:p>
+        </p:txBody>
+      </p:sp>
+      <p:sp>
+        <p:nvSpPr>
+          <p:cNvPr id="3" name="內容版面配置區 2"/>
+          <p:cNvSpPr>
+            <a:spLocks noGrp="1"/>
+          </p:cNvSpPr>
+          <p:nvPr>
+            <p:ph idx="1"/>
+          </p:nvPr>
+        </p:nvSpPr>
+        <p:spPr/>
+        <p:txBody>
+          <a:bodyPr/>
+          <a:lstStyle/>
+          <a:p>
+            <a:endParaRPr lang="zh-TW" altLang="en-US" dirty="0"/>
+          </a:p>
+        </p:txBody>
+      </p:sp>
+      <p:pic>
+        <p:nvPicPr>
+          <p:cNvPr id="7171" name="Picture 3"/>
+          <p:cNvPicPr>
+            <a:picLocks noChangeAspect="1" noChangeArrowheads="1"/>
+          </p:cNvPicPr>
+          <p:nvPr/>
+        </p:nvPicPr>
+        <p:blipFill>
+          <a:blip r:embed="rId2">
+            <a:extLst>
+              <a:ext uri="{28A0092B-C50C-407E-A947-70E740481C1C}">
+                <a14:useLocalDpi xmlns:a14="http://schemas.microsoft.com/office/drawing/2010/main" val="0"/>
+              </a:ext>
+            </a:extLst>
+          </a:blip>
+          <a:srcRect/>
+          <a:stretch>
+            <a:fillRect/>
+          </a:stretch>
+        </p:blipFill>
+        <p:spPr bwMode="auto">
+          <a:xfrm>
+            <a:off x="179512" y="1556792"/>
+            <a:ext cx="8875000" cy="4536504"/>
+          </a:xfrm>
+          <a:prstGeom prst="rect">
+            <a:avLst/>
+          </a:prstGeom>
+          <a:noFill/>
+          <a:ln>
+            <a:noFill/>
+          </a:ln>
+          <a:effectLst/>
+          <a:extLst>
+            <a:ext uri="{909E8E84-426E-40DD-AFC4-6F175D3DCCD1}">
+              <a14:hiddenFill xmlns:a14="http://schemas.microsoft.com/office/drawing/2010/main">
+                <a:solidFill>
+                  <a:schemeClr val="accent1"/>
+                </a:solidFill>
+              </a14:hiddenFill>
+            </a:ext>
+            <a:ext uri="{91240B29-F687-4F45-9708-019B960494DF}">
+              <a14:hiddenLine xmlns:a14="http://schemas.microsoft.com/office/drawing/2010/main" w="9525">
+                <a:solidFill>
+                  <a:schemeClr val="tx1"/>
+                </a:solidFill>
+                <a:miter lim="800000"/>
+                <a:headEnd/>
+                <a:tailEnd/>
+              </a14:hiddenLine>
+            </a:ext>
+            <a:ext uri="{AF507438-7753-43E0-B8FC-AC1667EBCBE1}">
+              <a14:hiddenEffects xmlns:a14="http://schemas.microsoft.com/office/drawing/2010/main">
+                <a:effectLst>
+                  <a:outerShdw dist="35921" dir="2700000" algn="ctr" rotWithShape="0">
+                    <a:schemeClr val="bg2"/>
+                  </a:outerShdw>
+                </a:effectLst>
+              </a14:hiddenEffects>
+            </a:ext>
+          </a:extLst>
+        </p:spPr>
+      </p:pic>
+    </p:spTree>
+    <p:extLst>
+      <p:ext uri="{BB962C8B-B14F-4D97-AF65-F5344CB8AC3E}">
+        <p14:creationId xmlns:p14="http://schemas.microsoft.com/office/powerpoint/2010/main" val="1139007211"/>
+      </p:ext>
+    </p:extLst>
+  </p:cSld>
+  <p:clrMapOvr>
+    <a:masterClrMapping/>
+  </p:clrMapOvr>
+</p:sld>
+</file>
+
+<file path=ppt/slides/slide13.xml><?xml version="1.0" encoding="utf-8"?>
+<p:sld xmlns:a="http://schemas.openxmlformats.org/drawingml/2006/main" xmlns:r="http://schemas.openxmlformats.org/officeDocument/2006/relationships" xmlns:p="http://schemas.openxmlformats.org/presentationml/2006/main">
+  <p:cSld>
+    <p:spTree>
+      <p:nvGrpSpPr>
+        <p:cNvPr id="1" name=""/>
+        <p:cNvGrpSpPr/>
+        <p:nvPr/>
+      </p:nvGrpSpPr>
+      <p:grpSpPr>
+        <a:xfrm>
+          <a:off x="0" y="0"/>
+          <a:ext cx="0" cy="0"/>
+          <a:chOff x="0" y="0"/>
+          <a:chExt cx="0" cy="0"/>
+        </a:xfrm>
+      </p:grpSpPr>
+      <p:sp>
+        <p:nvSpPr>
+          <p:cNvPr id="2" name="標題 1"/>
+          <p:cNvSpPr>
+            <a:spLocks noGrp="1"/>
+          </p:cNvSpPr>
+          <p:nvPr>
+            <p:ph type="title"/>
+          </p:nvPr>
+        </p:nvSpPr>
+        <p:spPr/>
+        <p:txBody>
+          <a:bodyPr/>
+          <a:lstStyle/>
+          <a:p>
+            <a:r>
+              <a:rPr lang="en-US" altLang="zh-TW" dirty="0" smtClean="0"/>
+              <a:t>Windows Server 2019</a:t>
+            </a:r>
+            <a:r>
+              <a:rPr lang="zh-TW" altLang="en-US" dirty="0" smtClean="0"/>
+              <a:t>執行畫面</a:t>
+            </a:r>
+            <a:endParaRPr lang="zh-TW" altLang="en-US" dirty="0"/>
+          </a:p>
+        </p:txBody>
+      </p:sp>
+      <p:pic>
+        <p:nvPicPr>
+          <p:cNvPr id="1026" name="Picture 2"/>
+          <p:cNvPicPr>
+            <a:picLocks noChangeAspect="1" noChangeArrowheads="1"/>
+          </p:cNvPicPr>
+          <p:nvPr/>
+        </p:nvPicPr>
+        <p:blipFill>
+          <a:blip r:embed="rId2">
+            <a:extLst>
+              <a:ext uri="{28A0092B-C50C-407E-A947-70E740481C1C}">
+                <a14:useLocalDpi xmlns:a14="http://schemas.microsoft.com/office/drawing/2010/main" val="0"/>
+              </a:ext>
+            </a:extLst>
+          </a:blip>
+          <a:srcRect/>
+          <a:stretch>
+            <a:fillRect/>
+          </a:stretch>
+        </p:blipFill>
+        <p:spPr bwMode="auto">
+          <a:xfrm>
+            <a:off x="251520" y="1772816"/>
+            <a:ext cx="8699823" cy="4229522"/>
+          </a:xfrm>
+          <a:prstGeom prst="rect">
+            <a:avLst/>
+          </a:prstGeom>
+          <a:noFill/>
+          <a:ln>
+            <a:noFill/>
+          </a:ln>
+          <a:effectLst/>
+          <a:extLst>
+            <a:ext uri="{909E8E84-426E-40DD-AFC4-6F175D3DCCD1}">
+              <a14:hiddenFill xmlns:a14="http://schemas.microsoft.com/office/drawing/2010/main">
+                <a:solidFill>
+                  <a:schemeClr val="accent1"/>
+                </a:solidFill>
+              </a14:hiddenFill>
+            </a:ext>
+            <a:ext uri="{91240B29-F687-4F45-9708-019B960494DF}">
+              <a14:hiddenLine xmlns:a14="http://schemas.microsoft.com/office/drawing/2010/main" w="9525">
+                <a:solidFill>
+                  <a:schemeClr val="tx1"/>
+                </a:solidFill>
+                <a:miter lim="800000"/>
+                <a:headEnd/>
+                <a:tailEnd/>
+              </a14:hiddenLine>
+            </a:ext>
+            <a:ext uri="{AF507438-7753-43E0-B8FC-AC1667EBCBE1}">
+              <a14:hiddenEffects xmlns:a14="http://schemas.microsoft.com/office/drawing/2010/main">
+                <a:effectLst>
+                  <a:outerShdw dist="35921" dir="2700000" algn="ctr" rotWithShape="0">
+                    <a:schemeClr val="bg2"/>
+                  </a:outerShdw>
+                </a:effectLst>
+              </a14:hiddenEffects>
+            </a:ext>
+          </a:extLst>
+        </p:spPr>
+      </p:pic>
+    </p:spTree>
+    <p:extLst>
+      <p:ext uri="{BB962C8B-B14F-4D97-AF65-F5344CB8AC3E}">
+        <p14:creationId xmlns:p14="http://schemas.microsoft.com/office/powerpoint/2010/main" val="3115022815"/>
+      </p:ext>
+    </p:extLst>
+  </p:cSld>
+  <p:clrMapOvr>
+    <a:masterClrMapping/>
+  </p:clrMapOvr>
+</p:sld>
+</file>
+
 <file path=ppt/slides/slide2.xml><?xml version="1.0" encoding="utf-8"?>
 <p:sld xmlns:a="http://schemas.openxmlformats.org/drawingml/2006/main" xmlns:r="http://schemas.openxmlformats.org/officeDocument/2006/relationships" xmlns:p="http://schemas.openxmlformats.org/presentationml/2006/main">
   <p:cSld>
@@ -3972,146 +4473,6 @@
           <a:p>
             <a:r>
               <a:rPr lang="en-US" altLang="zh-TW" dirty="0" smtClean="0"/>
-              <a:t>Windows Server 2019</a:t>
-            </a:r>
-            <a:r>
-              <a:rPr lang="zh-TW" altLang="en-US" dirty="0" smtClean="0"/>
-              <a:t>執行畫面</a:t>
-            </a:r>
-            <a:endParaRPr lang="zh-TW" altLang="en-US" dirty="0"/>
-          </a:p>
-        </p:txBody>
-      </p:sp>
-      <p:sp>
-        <p:nvSpPr>
-          <p:cNvPr id="3" name="內容版面配置區 2"/>
-          <p:cNvSpPr>
-            <a:spLocks noGrp="1"/>
-          </p:cNvSpPr>
-          <p:nvPr>
-            <p:ph idx="1"/>
-          </p:nvPr>
-        </p:nvSpPr>
-        <p:spPr/>
-        <p:txBody>
-          <a:bodyPr/>
-          <a:lstStyle/>
-          <a:p>
-            <a:endParaRPr lang="zh-TW" altLang="en-US" dirty="0"/>
-          </a:p>
-        </p:txBody>
-      </p:sp>
-      <p:pic>
-        <p:nvPicPr>
-          <p:cNvPr id="7171" name="Picture 3"/>
-          <p:cNvPicPr>
-            <a:picLocks noChangeAspect="1" noChangeArrowheads="1"/>
-          </p:cNvPicPr>
-          <p:nvPr/>
-        </p:nvPicPr>
-        <p:blipFill>
-          <a:blip r:embed="rId2">
-            <a:extLst>
-              <a:ext uri="{28A0092B-C50C-407E-A947-70E740481C1C}">
-                <a14:useLocalDpi xmlns:a14="http://schemas.microsoft.com/office/drawing/2010/main" val="0"/>
-              </a:ext>
-            </a:extLst>
-          </a:blip>
-          <a:srcRect/>
-          <a:stretch>
-            <a:fillRect/>
-          </a:stretch>
-        </p:blipFill>
-        <p:spPr bwMode="auto">
-          <a:xfrm>
-            <a:off x="179512" y="1556792"/>
-            <a:ext cx="8875000" cy="4536504"/>
-          </a:xfrm>
-          <a:prstGeom prst="rect">
-            <a:avLst/>
-          </a:prstGeom>
-          <a:noFill/>
-          <a:ln>
-            <a:noFill/>
-          </a:ln>
-          <a:effectLst/>
-          <a:extLst>
-            <a:ext uri="{909E8E84-426E-40DD-AFC4-6F175D3DCCD1}">
-              <a14:hiddenFill xmlns:a14="http://schemas.microsoft.com/office/drawing/2010/main">
-                <a:solidFill>
-                  <a:schemeClr val="accent1"/>
-                </a:solidFill>
-              </a14:hiddenFill>
-            </a:ext>
-            <a:ext uri="{91240B29-F687-4F45-9708-019B960494DF}">
-              <a14:hiddenLine xmlns:a14="http://schemas.microsoft.com/office/drawing/2010/main" w="9525">
-                <a:solidFill>
-                  <a:schemeClr val="tx1"/>
-                </a:solidFill>
-                <a:miter lim="800000"/>
-                <a:headEnd/>
-                <a:tailEnd/>
-              </a14:hiddenLine>
-            </a:ext>
-            <a:ext uri="{AF507438-7753-43E0-B8FC-AC1667EBCBE1}">
-              <a14:hiddenEffects xmlns:a14="http://schemas.microsoft.com/office/drawing/2010/main">
-                <a:effectLst>
-                  <a:outerShdw dist="35921" dir="2700000" algn="ctr" rotWithShape="0">
-                    <a:schemeClr val="bg2"/>
-                  </a:outerShdw>
-                </a:effectLst>
-              </a14:hiddenEffects>
-            </a:ext>
-          </a:extLst>
-        </p:spPr>
-      </p:pic>
-    </p:spTree>
-    <p:extLst>
-      <p:ext uri="{BB962C8B-B14F-4D97-AF65-F5344CB8AC3E}">
-        <p14:creationId xmlns:p14="http://schemas.microsoft.com/office/powerpoint/2010/main" val="1139007211"/>
-      </p:ext>
-    </p:extLst>
-  </p:cSld>
-  <p:clrMapOvr>
-    <a:masterClrMapping/>
-  </p:clrMapOvr>
-</p:sld>
-</file>
-
-<file path=ppt/slides/slide8.xml><?xml version="1.0" encoding="utf-8"?>
-<p:sld xmlns:a="http://schemas.openxmlformats.org/drawingml/2006/main" xmlns:r="http://schemas.openxmlformats.org/officeDocument/2006/relationships" xmlns:p="http://schemas.openxmlformats.org/presentationml/2006/main">
-  <p:cSld>
-    <p:spTree>
-      <p:nvGrpSpPr>
-        <p:cNvPr id="1" name=""/>
-        <p:cNvGrpSpPr/>
-        <p:nvPr/>
-      </p:nvGrpSpPr>
-      <p:grpSpPr>
-        <a:xfrm>
-          <a:off x="0" y="0"/>
-          <a:ext cx="0" cy="0"/>
-          <a:chOff x="0" y="0"/>
-          <a:chExt cx="0" cy="0"/>
-        </a:xfrm>
-      </p:grpSpPr>
-      <p:sp>
-        <p:nvSpPr>
-          <p:cNvPr id="2" name="標題 1"/>
-          <p:cNvSpPr>
-            <a:spLocks noGrp="1"/>
-          </p:cNvSpPr>
-          <p:nvPr>
-            <p:ph type="title"/>
-          </p:nvPr>
-        </p:nvSpPr>
-        <p:spPr/>
-        <p:txBody>
-          <a:bodyPr/>
-          <a:lstStyle/>
-          <a:p>
-            <a:r>
-              <a:rPr lang="en-US" altLang="zh-TW" dirty="0" smtClean="0"/>
               <a:t>Coreinfo.exe –f</a:t>
             </a:r>
             <a:r>
@@ -4199,7 +4560,7 @@
 </p:sld>
 </file>
 
-<file path=ppt/slides/slide9.xml><?xml version="1.0" encoding="utf-8"?>
+<file path=ppt/slides/slide8.xml><?xml version="1.0" encoding="utf-8"?>
 <p:sld xmlns:a="http://schemas.openxmlformats.org/drawingml/2006/main" xmlns:r="http://schemas.openxmlformats.org/officeDocument/2006/relationships" xmlns:p="http://schemas.openxmlformats.org/presentationml/2006/main">
   <p:cSld>
     <p:spTree>
@@ -4311,6 +4672,125 @@
     <p:extLst>
       <p:ext uri="{BB962C8B-B14F-4D97-AF65-F5344CB8AC3E}">
         <p14:creationId xmlns:p14="http://schemas.microsoft.com/office/powerpoint/2010/main" val="3314908106"/>
+      </p:ext>
+    </p:extLst>
+  </p:cSld>
+  <p:clrMapOvr>
+    <a:masterClrMapping/>
+  </p:clrMapOvr>
+</p:sld>
+</file>
+
+<file path=ppt/slides/slide9.xml><?xml version="1.0" encoding="utf-8"?>
+<p:sld xmlns:a="http://schemas.openxmlformats.org/drawingml/2006/main" xmlns:r="http://schemas.openxmlformats.org/officeDocument/2006/relationships" xmlns:p="http://schemas.openxmlformats.org/presentationml/2006/main">
+  <p:cSld>
+    <p:spTree>
+      <p:nvGrpSpPr>
+        <p:cNvPr id="1" name=""/>
+        <p:cNvGrpSpPr/>
+        <p:nvPr/>
+      </p:nvGrpSpPr>
+      <p:grpSpPr>
+        <a:xfrm>
+          <a:off x="0" y="0"/>
+          <a:ext cx="0" cy="0"/>
+          <a:chOff x="0" y="0"/>
+          <a:chExt cx="0" cy="0"/>
+        </a:xfrm>
+      </p:grpSpPr>
+      <p:sp>
+        <p:nvSpPr>
+          <p:cNvPr id="2" name="標題 1"/>
+          <p:cNvSpPr>
+            <a:spLocks noGrp="1"/>
+          </p:cNvSpPr>
+          <p:nvPr>
+            <p:ph type="title"/>
+          </p:nvPr>
+        </p:nvSpPr>
+        <p:spPr/>
+        <p:txBody>
+          <a:bodyPr/>
+          <a:lstStyle/>
+          <a:p>
+            <a:r>
+              <a:rPr lang="zh-TW" altLang="en-US" dirty="0">
+                <a:latin typeface="微軟正黑體" pitchFamily="34" charset="-120"/>
+                <a:ea typeface="微軟正黑體" pitchFamily="34" charset="-120"/>
+              </a:rPr>
+              <a:t>迴路測試</a:t>
+            </a:r>
+          </a:p>
+        </p:txBody>
+      </p:sp>
+      <p:pic>
+        <p:nvPicPr>
+          <p:cNvPr id="2050" name="Picture 2"/>
+          <p:cNvPicPr>
+            <a:picLocks noChangeAspect="1" noChangeArrowheads="1"/>
+          </p:cNvPicPr>
+          <p:nvPr/>
+        </p:nvPicPr>
+        <p:blipFill>
+          <a:blip r:embed="rId2">
+            <a:extLst>
+              <a:ext uri="{28A0092B-C50C-407E-A947-70E740481C1C}">
+                <a14:useLocalDpi xmlns:a14="http://schemas.microsoft.com/office/drawing/2010/main" val="0"/>
+              </a:ext>
+            </a:extLst>
+          </a:blip>
+          <a:srcRect/>
+          <a:stretch>
+            <a:fillRect/>
+          </a:stretch>
+        </p:blipFill>
+        <p:spPr bwMode="auto">
+          <a:xfrm>
+            <a:off x="856432" y="1596008"/>
+            <a:ext cx="7597651" cy="4933393"/>
+          </a:xfrm>
+          <a:prstGeom prst="rect">
+            <a:avLst/>
+          </a:prstGeom>
+          <a:noFill/>
+          <a:ln>
+            <a:noFill/>
+          </a:ln>
+          <a:effectLst/>
+          <a:extLst>
+            <a:ext uri="{909E8E84-426E-40DD-AFC4-6F175D3DCCD1}">
+              <a14:hiddenFill xmlns:a14="http://schemas.microsoft.com/office/drawing/2010/main">
+                <a:solidFill>
+                  <a:schemeClr val="accent1"/>
+                </a:solidFill>
+              </a14:hiddenFill>
+            </a:ext>
+            <a:ext uri="{91240B29-F687-4F45-9708-019B960494DF}">
+              <a14:hiddenLine xmlns:a14="http://schemas.microsoft.com/office/drawing/2010/main" w="9525">
+                <a:solidFill>
+                  <a:schemeClr val="tx1"/>
+                </a:solidFill>
+                <a:miter lim="800000"/>
+                <a:headEnd/>
+                <a:tailEnd/>
+              </a14:hiddenLine>
+            </a:ext>
+            <a:ext uri="{AF507438-7753-43E0-B8FC-AC1667EBCBE1}">
+              <a14:hiddenEffects xmlns:a14="http://schemas.microsoft.com/office/drawing/2010/main">
+                <a:effectLst>
+                  <a:outerShdw dist="35921" dir="2700000" algn="ctr" rotWithShape="0">
+                    <a:schemeClr val="bg2"/>
+                  </a:outerShdw>
+                </a:effectLst>
+              </a14:hiddenEffects>
+            </a:ext>
+          </a:extLst>
+        </p:spPr>
+      </p:pic>
+    </p:spTree>
+    <p:extLst>
+      <p:ext uri="{BB962C8B-B14F-4D97-AF65-F5344CB8AC3E}">
+        <p14:creationId xmlns:p14="http://schemas.microsoft.com/office/powerpoint/2010/main" val="1268148664"/>
       </p:ext>
     </p:extLst>
   </p:cSld>
